--- a/Presentation: Factoring Polynomials.pptx
+++ b/Presentation: Factoring Polynomials.pptx
@@ -3116,7 +3116,7 @@
             </a:pPr>
             <a:r>
               <a:rPr/>
-              <a:t>Presentation: Factoring Polynomials</a:t>
+              <a:t>Factoring Polynomials</a:t>
             </a:r>
           </a:p>
         </p:txBody>
